--- a/Git/Git-install-setting.pptx
+++ b/Git/Git-install-setting.pptx
@@ -214,7 +214,7 @@
           <a:p>
             <a:fld id="{A3B58371-7381-48C0-833A-5E8E04A5C018}" type="datetimeFigureOut">
               <a:rPr lang="ko-KR" altLang="en-US" smtClean="0"/>
-              <a:t>2020. 7. 19.</a:t>
+              <a:t>2020. 7. 21.</a:t>
             </a:fld>
             <a:endParaRPr lang="ko-KR" altLang="en-US"/>
           </a:p>
@@ -870,7 +870,7 @@
           <a:p>
             <a:fld id="{1A5EC892-473C-4C5E-85C8-2BE472A89746}" type="datetimeFigureOut">
               <a:rPr lang="ko-KR" altLang="en-US" smtClean="0"/>
-              <a:t>2020. 7. 19.</a:t>
+              <a:t>2020. 7. 21.</a:t>
             </a:fld>
             <a:endParaRPr lang="ko-KR" altLang="en-US"/>
           </a:p>
@@ -1038,7 +1038,7 @@
           <a:p>
             <a:fld id="{1A5EC892-473C-4C5E-85C8-2BE472A89746}" type="datetimeFigureOut">
               <a:rPr lang="ko-KR" altLang="en-US" smtClean="0"/>
-              <a:t>2020. 7. 19.</a:t>
+              <a:t>2020. 7. 21.</a:t>
             </a:fld>
             <a:endParaRPr lang="ko-KR" altLang="en-US"/>
           </a:p>
@@ -1216,7 +1216,7 @@
           <a:p>
             <a:fld id="{1A5EC892-473C-4C5E-85C8-2BE472A89746}" type="datetimeFigureOut">
               <a:rPr lang="ko-KR" altLang="en-US" smtClean="0"/>
-              <a:t>2020. 7. 19.</a:t>
+              <a:t>2020. 7. 21.</a:t>
             </a:fld>
             <a:endParaRPr lang="ko-KR" altLang="en-US"/>
           </a:p>
@@ -1571,7 +1571,7 @@
           <a:p>
             <a:fld id="{1A5EC892-473C-4C5E-85C8-2BE472A89746}" type="datetimeFigureOut">
               <a:rPr lang="ko-KR" altLang="en-US" smtClean="0"/>
-              <a:t>2020. 7. 19.</a:t>
+              <a:t>2020. 7. 21.</a:t>
             </a:fld>
             <a:endParaRPr lang="ko-KR" altLang="en-US"/>
           </a:p>
@@ -1816,7 +1816,7 @@
           <a:p>
             <a:fld id="{1A5EC892-473C-4C5E-85C8-2BE472A89746}" type="datetimeFigureOut">
               <a:rPr lang="ko-KR" altLang="en-US" smtClean="0"/>
-              <a:t>2020. 7. 19.</a:t>
+              <a:t>2020. 7. 21.</a:t>
             </a:fld>
             <a:endParaRPr lang="ko-KR" altLang="en-US"/>
           </a:p>
@@ -2045,7 +2045,7 @@
           <a:p>
             <a:fld id="{1A5EC892-473C-4C5E-85C8-2BE472A89746}" type="datetimeFigureOut">
               <a:rPr lang="ko-KR" altLang="en-US" smtClean="0"/>
-              <a:t>2020. 7. 19.</a:t>
+              <a:t>2020. 7. 21.</a:t>
             </a:fld>
             <a:endParaRPr lang="ko-KR" altLang="en-US"/>
           </a:p>
@@ -2409,7 +2409,7 @@
           <a:p>
             <a:fld id="{1A5EC892-473C-4C5E-85C8-2BE472A89746}" type="datetimeFigureOut">
               <a:rPr lang="ko-KR" altLang="en-US" smtClean="0"/>
-              <a:t>2020. 7. 19.</a:t>
+              <a:t>2020. 7. 21.</a:t>
             </a:fld>
             <a:endParaRPr lang="ko-KR" altLang="en-US"/>
           </a:p>
@@ -2526,7 +2526,7 @@
           <a:p>
             <a:fld id="{1A5EC892-473C-4C5E-85C8-2BE472A89746}" type="datetimeFigureOut">
               <a:rPr lang="ko-KR" altLang="en-US" smtClean="0"/>
-              <a:t>2020. 7. 19.</a:t>
+              <a:t>2020. 7. 21.</a:t>
             </a:fld>
             <a:endParaRPr lang="ko-KR" altLang="en-US"/>
           </a:p>
@@ -2621,7 +2621,7 @@
           <a:p>
             <a:fld id="{1A5EC892-473C-4C5E-85C8-2BE472A89746}" type="datetimeFigureOut">
               <a:rPr lang="ko-KR" altLang="en-US" smtClean="0"/>
-              <a:t>2020. 7. 19.</a:t>
+              <a:t>2020. 7. 21.</a:t>
             </a:fld>
             <a:endParaRPr lang="ko-KR" altLang="en-US"/>
           </a:p>
@@ -2896,7 +2896,7 @@
           <a:p>
             <a:fld id="{1A5EC892-473C-4C5E-85C8-2BE472A89746}" type="datetimeFigureOut">
               <a:rPr lang="ko-KR" altLang="en-US" smtClean="0"/>
-              <a:t>2020. 7. 19.</a:t>
+              <a:t>2020. 7. 21.</a:t>
             </a:fld>
             <a:endParaRPr lang="ko-KR" altLang="en-US"/>
           </a:p>
@@ -3148,7 +3148,7 @@
           <a:p>
             <a:fld id="{1A5EC892-473C-4C5E-85C8-2BE472A89746}" type="datetimeFigureOut">
               <a:rPr lang="ko-KR" altLang="en-US" smtClean="0"/>
-              <a:t>2020. 7. 19.</a:t>
+              <a:t>2020. 7. 21.</a:t>
             </a:fld>
             <a:endParaRPr lang="ko-KR" altLang="en-US"/>
           </a:p>
@@ -3359,7 +3359,7 @@
           <a:p>
             <a:fld id="{1A5EC892-473C-4C5E-85C8-2BE472A89746}" type="datetimeFigureOut">
               <a:rPr lang="ko-KR" altLang="en-US" smtClean="0"/>
-              <a:t>2020. 7. 19.</a:t>
+              <a:t>2020. 7. 21.</a:t>
             </a:fld>
             <a:endParaRPr lang="ko-KR" altLang="en-US"/>
           </a:p>
